--- a/documentazione/Presentazione - SABD.pptx
+++ b/documentazione/Presentazione - SABD.pptx
@@ -20371,15 +20371,7 @@
             <a:pPr lvl="1"/>
             <a:r>
               <a:rPr lang="it-IT" dirty="0"/>
-              <a:t>Viene utilizzato da Apache Kafka per memorizzare informazioni relative al cluster Kafka4; in breve, possiamo dire che </a:t>
-            </a:r>
-            <a:r>
-              <a:rPr lang="it-IT" dirty="0" err="1"/>
-              <a:t>Zookeeper</a:t>
-            </a:r>
-            <a:r>
-              <a:rPr lang="it-IT" dirty="0"/>
-              <a:t> memorizza i metadati sul cluster Kafka</a:t>
+              <a:t>Viene utilizzato da Apache Kafka per memorizzare informazioni relative al cluster Kafka; </a:t>
             </a:r>
           </a:p>
           <a:p>
@@ -21020,7 +21012,7 @@
             <a:pPr lvl="1"/>
             <a:r>
               <a:rPr lang="it-IT" dirty="0"/>
-              <a:t>Ambiente creata localmente.</a:t>
+              <a:t>Ambiente creato localmente.</a:t>
             </a:r>
           </a:p>
           <a:p>
@@ -21342,19 +21334,6 @@
               <a:rPr lang="it-IT" dirty="0"/>
               <a:t> per simulare una sorgente real-time</a:t>
             </a:r>
-          </a:p>
-          <a:p>
-            <a:pPr lvl="1"/>
-            <a:r>
-              <a:rPr lang="it-IT" dirty="0"/>
-              <a:t>Singola entità.</a:t>
-            </a:r>
-          </a:p>
-          <a:p>
-            <a:pPr marL="457200" lvl="1" indent="0">
-              <a:buNone/>
-            </a:pPr>
-            <a:endParaRPr lang="it-IT" dirty="0"/>
           </a:p>
         </p:txBody>
       </p:sp>
@@ -21564,27 +21543,8 @@
             <a:pPr lvl="1"/>
             <a:r>
               <a:rPr lang="it-IT" dirty="0"/>
-              <a:t>Salvataggio output</a:t>
-            </a:r>
-          </a:p>
-          <a:p>
-            <a:pPr lvl="1"/>
-            <a:r>
-              <a:rPr lang="it-IT" dirty="0"/>
               <a:t>Ha la funzione di  salvare i risultati in formato csv</a:t>
             </a:r>
-          </a:p>
-          <a:p>
-            <a:pPr lvl="1"/>
-            <a:r>
-              <a:rPr lang="it-IT" dirty="0"/>
-              <a:t>Molteplici </a:t>
-            </a:r>
-            <a:r>
-              <a:rPr lang="it-IT" dirty="0" err="1"/>
-              <a:t>thread</a:t>
-            </a:r>
-            <a:endParaRPr lang="it-IT" dirty="0"/>
           </a:p>
         </p:txBody>
       </p:sp>
